--- a/pres-source/old-etc/group.pptx
+++ b/pres-source/old-etc/group.pptx
@@ -6,7 +6,9 @@
   </p:sldMasterIdLst>
   <p:sldIdLst>
     <p:sldId id="256" r:id="rId2"/>
-    <p:sldId id="259" r:id="rId3"/>
+    <p:sldId id="260" r:id="rId3"/>
+    <p:sldId id="261" r:id="rId4"/>
+    <p:sldId id="259" r:id="rId5"/>
   </p:sldIdLst>
   <p:sldSz cx="9144000" cy="6858000" type="screen4x3"/>
   <p:notesSz cx="6858000" cy="9144000"/>
@@ -289,7 +291,7 @@
           <a:p>
             <a:fld id="{EB059B9B-A1B8-FE45-874D-DDD3FD1CC159}" type="datetimeFigureOut">
               <a:rPr lang="en-US" smtClean="0"/>
-              <a:t>22/08/17</a:t>
+              <a:t>27/07/18</a:t>
             </a:fld>
             <a:endParaRPr lang="en-US"/>
           </a:p>
@@ -459,7 +461,7 @@
           <a:p>
             <a:fld id="{EB059B9B-A1B8-FE45-874D-DDD3FD1CC159}" type="datetimeFigureOut">
               <a:rPr lang="en-US" smtClean="0"/>
-              <a:t>22/08/17</a:t>
+              <a:t>27/07/18</a:t>
             </a:fld>
             <a:endParaRPr lang="en-US"/>
           </a:p>
@@ -639,7 +641,7 @@
           <a:p>
             <a:fld id="{EB059B9B-A1B8-FE45-874D-DDD3FD1CC159}" type="datetimeFigureOut">
               <a:rPr lang="en-US" smtClean="0"/>
-              <a:t>22/08/17</a:t>
+              <a:t>27/07/18</a:t>
             </a:fld>
             <a:endParaRPr lang="en-US"/>
           </a:p>
@@ -809,7 +811,7 @@
           <a:p>
             <a:fld id="{EB059B9B-A1B8-FE45-874D-DDD3FD1CC159}" type="datetimeFigureOut">
               <a:rPr lang="en-US" smtClean="0"/>
-              <a:t>22/08/17</a:t>
+              <a:t>27/07/18</a:t>
             </a:fld>
             <a:endParaRPr lang="en-US"/>
           </a:p>
@@ -1055,7 +1057,7 @@
           <a:p>
             <a:fld id="{EB059B9B-A1B8-FE45-874D-DDD3FD1CC159}" type="datetimeFigureOut">
               <a:rPr lang="en-US" smtClean="0"/>
-              <a:t>22/08/17</a:t>
+              <a:t>27/07/18</a:t>
             </a:fld>
             <a:endParaRPr lang="en-US"/>
           </a:p>
@@ -1343,7 +1345,7 @@
           <a:p>
             <a:fld id="{EB059B9B-A1B8-FE45-874D-DDD3FD1CC159}" type="datetimeFigureOut">
               <a:rPr lang="en-US" smtClean="0"/>
-              <a:t>22/08/17</a:t>
+              <a:t>27/07/18</a:t>
             </a:fld>
             <a:endParaRPr lang="en-US"/>
           </a:p>
@@ -1765,7 +1767,7 @@
           <a:p>
             <a:fld id="{EB059B9B-A1B8-FE45-874D-DDD3FD1CC159}" type="datetimeFigureOut">
               <a:rPr lang="en-US" smtClean="0"/>
-              <a:t>22/08/17</a:t>
+              <a:t>27/07/18</a:t>
             </a:fld>
             <a:endParaRPr lang="en-US"/>
           </a:p>
@@ -1883,7 +1885,7 @@
           <a:p>
             <a:fld id="{EB059B9B-A1B8-FE45-874D-DDD3FD1CC159}" type="datetimeFigureOut">
               <a:rPr lang="en-US" smtClean="0"/>
-              <a:t>22/08/17</a:t>
+              <a:t>27/07/18</a:t>
             </a:fld>
             <a:endParaRPr lang="en-US"/>
           </a:p>
@@ -1978,7 +1980,7 @@
           <a:p>
             <a:fld id="{EB059B9B-A1B8-FE45-874D-DDD3FD1CC159}" type="datetimeFigureOut">
               <a:rPr lang="en-US" smtClean="0"/>
-              <a:t>22/08/17</a:t>
+              <a:t>27/07/18</a:t>
             </a:fld>
             <a:endParaRPr lang="en-US"/>
           </a:p>
@@ -2255,7 +2257,7 @@
           <a:p>
             <a:fld id="{EB059B9B-A1B8-FE45-874D-DDD3FD1CC159}" type="datetimeFigureOut">
               <a:rPr lang="en-US" smtClean="0"/>
-              <a:t>22/08/17</a:t>
+              <a:t>27/07/18</a:t>
             </a:fld>
             <a:endParaRPr lang="en-US"/>
           </a:p>
@@ -2508,7 +2510,7 @@
           <a:p>
             <a:fld id="{EB059B9B-A1B8-FE45-874D-DDD3FD1CC159}" type="datetimeFigureOut">
               <a:rPr lang="en-US" smtClean="0"/>
-              <a:t>22/08/17</a:t>
+              <a:t>27/07/18</a:t>
             </a:fld>
             <a:endParaRPr lang="en-US"/>
           </a:p>
@@ -2721,7 +2723,7 @@
           <a:p>
             <a:fld id="{EB059B9B-A1B8-FE45-874D-DDD3FD1CC159}" type="datetimeFigureOut">
               <a:rPr lang="en-US" smtClean="0"/>
-              <a:t>22/08/17</a:t>
+              <a:t>27/07/18</a:t>
             </a:fld>
             <a:endParaRPr lang="en-US"/>
           </a:p>
@@ -3156,6 +3158,183 @@
           <a:chExt cx="0" cy="0"/>
         </a:xfrm>
       </p:grpSpPr>
+      <p:pic>
+        <p:nvPicPr>
+          <p:cNvPr id="4" name="Picture 3"/>
+          <p:cNvPicPr>
+            <a:picLocks noChangeAspect="1"/>
+          </p:cNvPicPr>
+          <p:nvPr/>
+        </p:nvPicPr>
+        <p:blipFill>
+          <a:blip r:embed="rId2"/>
+          <a:stretch>
+            <a:fillRect/>
+          </a:stretch>
+        </p:blipFill>
+        <p:spPr>
+          <a:xfrm>
+            <a:off x="952500" y="0"/>
+            <a:ext cx="7230943" cy="6858000"/>
+          </a:xfrm>
+          <a:prstGeom prst="rect">
+            <a:avLst/>
+          </a:prstGeom>
+        </p:spPr>
+      </p:pic>
+    </p:spTree>
+    <p:extLst>
+      <p:ext uri="{BB962C8B-B14F-4D97-AF65-F5344CB8AC3E}">
+        <p14:creationId xmlns:p14="http://schemas.microsoft.com/office/powerpoint/2010/main" val="3996088647"/>
+      </p:ext>
+    </p:extLst>
+  </p:cSld>
+  <p:clrMapOvr>
+    <a:masterClrMapping/>
+  </p:clrMapOvr>
+</p:sld>
+</file>
+
+<file path=ppt/slides/slide3.xml><?xml version="1.0" encoding="utf-8"?>
+<p:sld xmlns:a="http://schemas.openxmlformats.org/drawingml/2006/main" xmlns:r="http://schemas.openxmlformats.org/officeDocument/2006/relationships" xmlns:p="http://schemas.openxmlformats.org/presentationml/2006/main">
+  <p:cSld>
+    <p:spTree>
+      <p:nvGrpSpPr>
+        <p:cNvPr id="1" name=""/>
+        <p:cNvGrpSpPr/>
+        <p:nvPr/>
+      </p:nvGrpSpPr>
+      <p:grpSpPr>
+        <a:xfrm>
+          <a:off x="0" y="0"/>
+          <a:ext cx="0" cy="0"/>
+          <a:chOff x="0" y="0"/>
+          <a:chExt cx="0" cy="0"/>
+        </a:xfrm>
+      </p:grpSpPr>
+      <p:sp>
+        <p:nvSpPr>
+          <p:cNvPr id="2" name="Title 1"/>
+          <p:cNvSpPr>
+            <a:spLocks noGrp="1"/>
+          </p:cNvSpPr>
+          <p:nvPr>
+            <p:ph type="title"/>
+          </p:nvPr>
+        </p:nvSpPr>
+        <p:spPr/>
+        <p:txBody>
+          <a:bodyPr/>
+          <a:lstStyle/>
+          <a:p>
+            <a:r>
+              <a:rPr lang="en-US" dirty="0" smtClean="0"/>
+              <a:t>Assume you get </a:t>
+            </a:r>
+            <a:endParaRPr lang="en-US" dirty="0"/>
+          </a:p>
+        </p:txBody>
+      </p:sp>
+      <p:sp>
+        <p:nvSpPr>
+          <p:cNvPr id="3" name="Content Placeholder 2"/>
+          <p:cNvSpPr>
+            <a:spLocks noGrp="1"/>
+          </p:cNvSpPr>
+          <p:nvPr>
+            <p:ph idx="1"/>
+          </p:nvPr>
+        </p:nvSpPr>
+        <p:spPr/>
+        <p:txBody>
+          <a:bodyPr>
+            <a:normAutofit lnSpcReduction="10000"/>
+          </a:bodyPr>
+          <a:lstStyle/>
+          <a:p>
+            <a:r>
+              <a:rPr lang="en-US" dirty="0" smtClean="0"/>
+              <a:t>Start and end position</a:t>
+            </a:r>
+          </a:p>
+          <a:p>
+            <a:r>
+              <a:rPr lang="en-US" dirty="0" smtClean="0"/>
+              <a:t>Distance travelled</a:t>
+            </a:r>
+          </a:p>
+          <a:p>
+            <a:r>
+              <a:rPr lang="en-US" dirty="0" smtClean="0"/>
+              <a:t>Start and end time</a:t>
+            </a:r>
+          </a:p>
+          <a:p>
+            <a:r>
+              <a:rPr lang="en-US" dirty="0" smtClean="0"/>
+              <a:t>Taxi identifier</a:t>
+            </a:r>
+          </a:p>
+          <a:p>
+            <a:r>
+              <a:rPr lang="en-US" dirty="0" smtClean="0"/>
+              <a:t>Driver identifier</a:t>
+            </a:r>
+          </a:p>
+          <a:p>
+            <a:r>
+              <a:rPr lang="en-US" dirty="0" smtClean="0"/>
+              <a:t>Fare + Tip</a:t>
+            </a:r>
+          </a:p>
+          <a:p>
+            <a:pPr marL="0" indent="0">
+              <a:buNone/>
+            </a:pPr>
+            <a:endParaRPr lang="en-US" dirty="0"/>
+          </a:p>
+          <a:p>
+            <a:pPr marL="0" indent="0">
+              <a:buNone/>
+            </a:pPr>
+            <a:r>
+              <a:rPr lang="en-US" dirty="0" smtClean="0"/>
+              <a:t>For all cities in the US</a:t>
+            </a:r>
+            <a:endParaRPr lang="en-US" dirty="0"/>
+          </a:p>
+        </p:txBody>
+      </p:sp>
+    </p:spTree>
+    <p:extLst>
+      <p:ext uri="{BB962C8B-B14F-4D97-AF65-F5344CB8AC3E}">
+        <p14:creationId xmlns:p14="http://schemas.microsoft.com/office/powerpoint/2010/main" val="299073663"/>
+      </p:ext>
+    </p:extLst>
+  </p:cSld>
+  <p:clrMapOvr>
+    <a:masterClrMapping/>
+  </p:clrMapOvr>
+</p:sld>
+</file>
+
+<file path=ppt/slides/slide4.xml><?xml version="1.0" encoding="utf-8"?>
+<p:sld xmlns:a="http://schemas.openxmlformats.org/drawingml/2006/main" xmlns:r="http://schemas.openxmlformats.org/officeDocument/2006/relationships" xmlns:p="http://schemas.openxmlformats.org/presentationml/2006/main">
+  <p:cSld>
+    <p:spTree>
+      <p:nvGrpSpPr>
+        <p:cNvPr id="1" name=""/>
+        <p:cNvGrpSpPr/>
+        <p:nvPr/>
+      </p:nvGrpSpPr>
+      <p:grpSpPr>
+        <a:xfrm>
+          <a:off x="0" y="0"/>
+          <a:ext cx="0" cy="0"/>
+          <a:chOff x="0" y="0"/>
+          <a:chExt cx="0" cy="0"/>
+        </a:xfrm>
+      </p:grpSpPr>
       <p:sp>
         <p:nvSpPr>
           <p:cNvPr id="2" name="Title 1"/>
@@ -3194,7 +3373,7 @@
         <p:spPr/>
         <p:txBody>
           <a:bodyPr>
-            <a:normAutofit/>
+            <a:normAutofit lnSpcReduction="10000"/>
           </a:bodyPr>
           <a:lstStyle/>
           <a:p>
@@ -3207,41 +3386,52 @@
             <a:pPr lvl="1"/>
             <a:r>
               <a:rPr lang="en-US" dirty="0" smtClean="0"/>
-              <a:t>Building dashboards </a:t>
-            </a:r>
+              <a:t>Building dashboards to provide both real-time and historical views</a:t>
+            </a:r>
+          </a:p>
+          <a:p>
+            <a:pPr lvl="1"/>
             <a:r>
               <a:rPr lang="en-US" dirty="0" smtClean="0"/>
-              <a:t>to </a:t>
+              <a:t>Graphical </a:t>
             </a:r>
             <a:r>
               <a:rPr lang="en-US" dirty="0" smtClean="0"/>
-              <a:t>provide both real-time and historical views</a:t>
-            </a:r>
-          </a:p>
-          <a:p>
-            <a:pPr lvl="1"/>
-            <a:r>
-              <a:rPr lang="en-US" dirty="0" smtClean="0"/>
-              <a:t>Public graphical views of high-level </a:t>
+              <a:t>views of high-level </a:t>
             </a:r>
             <a:r>
               <a:rPr lang="en-US" dirty="0" smtClean="0"/>
               <a:t>analysis</a:t>
             </a:r>
+          </a:p>
+          <a:p>
+            <a:pPr lvl="1"/>
+            <a:r>
+              <a:rPr lang="en-US" dirty="0" smtClean="0"/>
+              <a:t>Reports on whether drivers are exceeding hours or speed limits</a:t>
+            </a:r>
+          </a:p>
+          <a:p>
+            <a:pPr lvl="1"/>
+            <a:r>
+              <a:rPr lang="en-US" dirty="0" smtClean="0"/>
+              <a:t>A tool to help drivers find popular areas based on time of day and current location</a:t>
+            </a:r>
+          </a:p>
+          <a:p>
+            <a:pPr lvl="1"/>
+            <a:r>
+              <a:rPr lang="en-US" dirty="0" err="1" smtClean="0"/>
+              <a:t>Etc</a:t>
+            </a:r>
+            <a:r>
+              <a:rPr lang="en-US" dirty="0" smtClean="0"/>
+              <a:t> etc.. </a:t>
+            </a:r>
             <a:endParaRPr lang="en-US" dirty="0" smtClean="0"/>
           </a:p>
           <a:p>
             <a:pPr lvl="1"/>
-            <a:r>
-              <a:rPr lang="en-US" smtClean="0"/>
-              <a:t>etc</a:t>
-            </a:r>
-            <a:endParaRPr lang="en-US" dirty="0" smtClean="0"/>
-          </a:p>
-          <a:p>
-            <a:pPr marL="457200" lvl="1" indent="0">
-              <a:buNone/>
-            </a:pPr>
             <a:endParaRPr lang="en-US" dirty="0" smtClean="0"/>
           </a:p>
           <a:p>

--- a/pres-source/old-etc/group.pptx
+++ b/pres-source/old-etc/group.pptx
@@ -7,8 +7,7 @@
   <p:sldIdLst>
     <p:sldId id="256" r:id="rId2"/>
     <p:sldId id="260" r:id="rId3"/>
-    <p:sldId id="261" r:id="rId4"/>
-    <p:sldId id="259" r:id="rId5"/>
+    <p:sldId id="259" r:id="rId4"/>
   </p:sldIdLst>
   <p:sldSz cx="9144000" cy="6858000" type="screen4x3"/>
   <p:notesSz cx="6858000" cy="9144000"/>
@@ -291,7 +290,7 @@
           <a:p>
             <a:fld id="{EB059B9B-A1B8-FE45-874D-DDD3FD1CC159}" type="datetimeFigureOut">
               <a:rPr lang="en-US" smtClean="0"/>
-              <a:t>27/07/18</a:t>
+              <a:t>12/07/19</a:t>
             </a:fld>
             <a:endParaRPr lang="en-US"/>
           </a:p>
@@ -461,7 +460,7 @@
           <a:p>
             <a:fld id="{EB059B9B-A1B8-FE45-874D-DDD3FD1CC159}" type="datetimeFigureOut">
               <a:rPr lang="en-US" smtClean="0"/>
-              <a:t>27/07/18</a:t>
+              <a:t>12/07/19</a:t>
             </a:fld>
             <a:endParaRPr lang="en-US"/>
           </a:p>
@@ -641,7 +640,7 @@
           <a:p>
             <a:fld id="{EB059B9B-A1B8-FE45-874D-DDD3FD1CC159}" type="datetimeFigureOut">
               <a:rPr lang="en-US" smtClean="0"/>
-              <a:t>27/07/18</a:t>
+              <a:t>12/07/19</a:t>
             </a:fld>
             <a:endParaRPr lang="en-US"/>
           </a:p>
@@ -811,7 +810,7 @@
           <a:p>
             <a:fld id="{EB059B9B-A1B8-FE45-874D-DDD3FD1CC159}" type="datetimeFigureOut">
               <a:rPr lang="en-US" smtClean="0"/>
-              <a:t>27/07/18</a:t>
+              <a:t>12/07/19</a:t>
             </a:fld>
             <a:endParaRPr lang="en-US"/>
           </a:p>
@@ -1057,7 +1056,7 @@
           <a:p>
             <a:fld id="{EB059B9B-A1B8-FE45-874D-DDD3FD1CC159}" type="datetimeFigureOut">
               <a:rPr lang="en-US" smtClean="0"/>
-              <a:t>27/07/18</a:t>
+              <a:t>12/07/19</a:t>
             </a:fld>
             <a:endParaRPr lang="en-US"/>
           </a:p>
@@ -1345,7 +1344,7 @@
           <a:p>
             <a:fld id="{EB059B9B-A1B8-FE45-874D-DDD3FD1CC159}" type="datetimeFigureOut">
               <a:rPr lang="en-US" smtClean="0"/>
-              <a:t>27/07/18</a:t>
+              <a:t>12/07/19</a:t>
             </a:fld>
             <a:endParaRPr lang="en-US"/>
           </a:p>
@@ -1767,7 +1766,7 @@
           <a:p>
             <a:fld id="{EB059B9B-A1B8-FE45-874D-DDD3FD1CC159}" type="datetimeFigureOut">
               <a:rPr lang="en-US" smtClean="0"/>
-              <a:t>27/07/18</a:t>
+              <a:t>12/07/19</a:t>
             </a:fld>
             <a:endParaRPr lang="en-US"/>
           </a:p>
@@ -1885,7 +1884,7 @@
           <a:p>
             <a:fld id="{EB059B9B-A1B8-FE45-874D-DDD3FD1CC159}" type="datetimeFigureOut">
               <a:rPr lang="en-US" smtClean="0"/>
-              <a:t>27/07/18</a:t>
+              <a:t>12/07/19</a:t>
             </a:fld>
             <a:endParaRPr lang="en-US"/>
           </a:p>
@@ -1980,7 +1979,7 @@
           <a:p>
             <a:fld id="{EB059B9B-A1B8-FE45-874D-DDD3FD1CC159}" type="datetimeFigureOut">
               <a:rPr lang="en-US" smtClean="0"/>
-              <a:t>27/07/18</a:t>
+              <a:t>12/07/19</a:t>
             </a:fld>
             <a:endParaRPr lang="en-US"/>
           </a:p>
@@ -2257,7 +2256,7 @@
           <a:p>
             <a:fld id="{EB059B9B-A1B8-FE45-874D-DDD3FD1CC159}" type="datetimeFigureOut">
               <a:rPr lang="en-US" smtClean="0"/>
-              <a:t>27/07/18</a:t>
+              <a:t>12/07/19</a:t>
             </a:fld>
             <a:endParaRPr lang="en-US"/>
           </a:p>
@@ -2510,7 +2509,7 @@
           <a:p>
             <a:fld id="{EB059B9B-A1B8-FE45-874D-DDD3FD1CC159}" type="datetimeFigureOut">
               <a:rPr lang="en-US" smtClean="0"/>
-              <a:t>27/07/18</a:t>
+              <a:t>12/07/19</a:t>
             </a:fld>
             <a:endParaRPr lang="en-US"/>
           </a:p>
@@ -2723,7 +2722,7 @@
           <a:p>
             <a:fld id="{EB059B9B-A1B8-FE45-874D-DDD3FD1CC159}" type="datetimeFigureOut">
               <a:rPr lang="en-US" smtClean="0"/>
-              <a:t>27/07/18</a:t>
+              <a:t>12/07/19</a:t>
             </a:fld>
             <a:endParaRPr lang="en-US"/>
           </a:p>
@@ -3158,34 +3157,93 @@
           <a:chExt cx="0" cy="0"/>
         </a:xfrm>
       </p:grpSpPr>
-      <p:pic>
-        <p:nvPicPr>
-          <p:cNvPr id="4" name="Picture 3"/>
-          <p:cNvPicPr>
-            <a:picLocks noChangeAspect="1"/>
-          </p:cNvPicPr>
-          <p:nvPr/>
-        </p:nvPicPr>
-        <p:blipFill>
-          <a:blip r:embed="rId2"/>
-          <a:stretch>
-            <a:fillRect/>
-          </a:stretch>
-        </p:blipFill>
-        <p:spPr>
-          <a:xfrm>
-            <a:off x="952500" y="0"/>
-            <a:ext cx="7230943" cy="6858000"/>
-          </a:xfrm>
-          <a:prstGeom prst="rect">
-            <a:avLst/>
-          </a:prstGeom>
-        </p:spPr>
-      </p:pic>
+      <p:sp>
+        <p:nvSpPr>
+          <p:cNvPr id="2" name="Title 1"/>
+          <p:cNvSpPr>
+            <a:spLocks noGrp="1"/>
+          </p:cNvSpPr>
+          <p:nvPr>
+            <p:ph type="title"/>
+          </p:nvPr>
+        </p:nvSpPr>
+        <p:spPr/>
+        <p:txBody>
+          <a:bodyPr>
+            <a:noAutofit/>
+          </a:bodyPr>
+          <a:lstStyle/>
+          <a:p>
+            <a:r>
+              <a:rPr lang="en-US" sz="3600" dirty="0" smtClean="0"/>
+              <a:t>ANPR</a:t>
+            </a:r>
+            <a:br>
+              <a:rPr lang="en-US" sz="3600" dirty="0" smtClean="0"/>
+            </a:br>
+            <a:r>
+              <a:rPr lang="en-US" sz="3600" dirty="0" smtClean="0"/>
+              <a:t>(Automated Number Plate Recognition)</a:t>
+            </a:r>
+            <a:endParaRPr lang="en-US" sz="3600" dirty="0"/>
+          </a:p>
+        </p:txBody>
+      </p:sp>
+      <p:sp>
+        <p:nvSpPr>
+          <p:cNvPr id="3" name="Content Placeholder 2"/>
+          <p:cNvSpPr>
+            <a:spLocks noGrp="1"/>
+          </p:cNvSpPr>
+          <p:nvPr>
+            <p:ph idx="1"/>
+          </p:nvPr>
+        </p:nvSpPr>
+        <p:spPr/>
+        <p:txBody>
+          <a:bodyPr/>
+          <a:lstStyle/>
+          <a:p>
+            <a:r>
+              <a:rPr lang="en-US" dirty="0" smtClean="0"/>
+              <a:t>The new post-</a:t>
+            </a:r>
+            <a:r>
+              <a:rPr lang="en-US" dirty="0" err="1" smtClean="0"/>
+              <a:t>Brexit</a:t>
+            </a:r>
+            <a:r>
+              <a:rPr lang="en-US" dirty="0" smtClean="0"/>
+              <a:t> government has decided to implement congestion charging on every road in the country</a:t>
+            </a:r>
+          </a:p>
+          <a:p>
+            <a:pPr lvl="1"/>
+            <a:r>
+              <a:rPr lang="en-US" dirty="0" smtClean="0"/>
+              <a:t>Assume there are approximately 250,000 miles of road with cameras every ¼ mile</a:t>
+            </a:r>
+          </a:p>
+          <a:p>
+            <a:pPr lvl="1"/>
+            <a:r>
+              <a:rPr lang="en-US" dirty="0" smtClean="0"/>
+              <a:t>1,000,000 ANPR cameras</a:t>
+            </a:r>
+          </a:p>
+          <a:p>
+            <a:r>
+              <a:rPr lang="en-US" dirty="0" smtClean="0"/>
+              <a:t>We want to implement a big data system around this</a:t>
+            </a:r>
+            <a:endParaRPr lang="en-US" dirty="0"/>
+          </a:p>
+        </p:txBody>
+      </p:sp>
     </p:spTree>
     <p:extLst>
       <p:ext uri="{BB962C8B-B14F-4D97-AF65-F5344CB8AC3E}">
-        <p14:creationId xmlns:p14="http://schemas.microsoft.com/office/powerpoint/2010/main" val="3996088647"/>
+        <p14:creationId xmlns:p14="http://schemas.microsoft.com/office/powerpoint/2010/main" val="3546417532"/>
       </p:ext>
     </p:extLst>
   </p:cSld>
@@ -3224,129 +3282,6 @@
         </p:nvSpPr>
         <p:spPr/>
         <p:txBody>
-          <a:bodyPr/>
-          <a:lstStyle/>
-          <a:p>
-            <a:r>
-              <a:rPr lang="en-US" dirty="0" smtClean="0"/>
-              <a:t>Assume you get </a:t>
-            </a:r>
-            <a:endParaRPr lang="en-US" dirty="0"/>
-          </a:p>
-        </p:txBody>
-      </p:sp>
-      <p:sp>
-        <p:nvSpPr>
-          <p:cNvPr id="3" name="Content Placeholder 2"/>
-          <p:cNvSpPr>
-            <a:spLocks noGrp="1"/>
-          </p:cNvSpPr>
-          <p:nvPr>
-            <p:ph idx="1"/>
-          </p:nvPr>
-        </p:nvSpPr>
-        <p:spPr/>
-        <p:txBody>
-          <a:bodyPr>
-            <a:normAutofit lnSpcReduction="10000"/>
-          </a:bodyPr>
-          <a:lstStyle/>
-          <a:p>
-            <a:r>
-              <a:rPr lang="en-US" dirty="0" smtClean="0"/>
-              <a:t>Start and end position</a:t>
-            </a:r>
-          </a:p>
-          <a:p>
-            <a:r>
-              <a:rPr lang="en-US" dirty="0" smtClean="0"/>
-              <a:t>Distance travelled</a:t>
-            </a:r>
-          </a:p>
-          <a:p>
-            <a:r>
-              <a:rPr lang="en-US" dirty="0" smtClean="0"/>
-              <a:t>Start and end time</a:t>
-            </a:r>
-          </a:p>
-          <a:p>
-            <a:r>
-              <a:rPr lang="en-US" dirty="0" smtClean="0"/>
-              <a:t>Taxi identifier</a:t>
-            </a:r>
-          </a:p>
-          <a:p>
-            <a:r>
-              <a:rPr lang="en-US" dirty="0" smtClean="0"/>
-              <a:t>Driver identifier</a:t>
-            </a:r>
-          </a:p>
-          <a:p>
-            <a:r>
-              <a:rPr lang="en-US" dirty="0" smtClean="0"/>
-              <a:t>Fare + Tip</a:t>
-            </a:r>
-          </a:p>
-          <a:p>
-            <a:pPr marL="0" indent="0">
-              <a:buNone/>
-            </a:pPr>
-            <a:endParaRPr lang="en-US" dirty="0"/>
-          </a:p>
-          <a:p>
-            <a:pPr marL="0" indent="0">
-              <a:buNone/>
-            </a:pPr>
-            <a:r>
-              <a:rPr lang="en-US" dirty="0" smtClean="0"/>
-              <a:t>For all cities in the US</a:t>
-            </a:r>
-            <a:endParaRPr lang="en-US" dirty="0"/>
-          </a:p>
-        </p:txBody>
-      </p:sp>
-    </p:spTree>
-    <p:extLst>
-      <p:ext uri="{BB962C8B-B14F-4D97-AF65-F5344CB8AC3E}">
-        <p14:creationId xmlns:p14="http://schemas.microsoft.com/office/powerpoint/2010/main" val="299073663"/>
-      </p:ext>
-    </p:extLst>
-  </p:cSld>
-  <p:clrMapOvr>
-    <a:masterClrMapping/>
-  </p:clrMapOvr>
-</p:sld>
-</file>
-
-<file path=ppt/slides/slide4.xml><?xml version="1.0" encoding="utf-8"?>
-<p:sld xmlns:a="http://schemas.openxmlformats.org/drawingml/2006/main" xmlns:r="http://schemas.openxmlformats.org/officeDocument/2006/relationships" xmlns:p="http://schemas.openxmlformats.org/presentationml/2006/main">
-  <p:cSld>
-    <p:spTree>
-      <p:nvGrpSpPr>
-        <p:cNvPr id="1" name=""/>
-        <p:cNvGrpSpPr/>
-        <p:nvPr/>
-      </p:nvGrpSpPr>
-      <p:grpSpPr>
-        <a:xfrm>
-          <a:off x="0" y="0"/>
-          <a:ext cx="0" cy="0"/>
-          <a:chOff x="0" y="0"/>
-          <a:chExt cx="0" cy="0"/>
-        </a:xfrm>
-      </p:grpSpPr>
-      <p:sp>
-        <p:nvSpPr>
-          <p:cNvPr id="2" name="Title 1"/>
-          <p:cNvSpPr>
-            <a:spLocks noGrp="1"/>
-          </p:cNvSpPr>
-          <p:nvPr>
-            <p:ph type="title"/>
-          </p:nvPr>
-        </p:nvSpPr>
-        <p:spPr/>
-        <p:txBody>
           <a:bodyPr>
             <a:normAutofit fontScale="90000"/>
           </a:bodyPr>
@@ -3373,70 +3308,120 @@
         <p:spPr/>
         <p:txBody>
           <a:bodyPr>
-            <a:normAutofit lnSpcReduction="10000"/>
+            <a:noAutofit/>
           </a:bodyPr>
           <a:lstStyle/>
           <a:p>
-            <a:r>
-              <a:rPr lang="en-US" dirty="0" smtClean="0"/>
-              <a:t>What architecture would you use to handle the data, to support:</a:t>
-            </a:r>
-          </a:p>
-          <a:p>
             <a:pPr lvl="1"/>
             <a:r>
-              <a:rPr lang="en-US" dirty="0" smtClean="0"/>
-              <a:t>Building dashboards to provide both real-time and historical views</a:t>
+              <a:rPr lang="en-US" sz="2000" dirty="0" smtClean="0"/>
+              <a:t>Building </a:t>
+            </a:r>
+            <a:r>
+              <a:rPr lang="en-US" sz="2000" dirty="0" smtClean="0"/>
+              <a:t>dashboards to provide both real-time and historical views</a:t>
             </a:r>
           </a:p>
           <a:p>
             <a:pPr lvl="1"/>
             <a:r>
-              <a:rPr lang="en-US" dirty="0" smtClean="0"/>
-              <a:t>Graphical </a:t>
-            </a:r>
-            <a:r>
-              <a:rPr lang="en-US" dirty="0" smtClean="0"/>
+              <a:rPr lang="en-US" sz="2000" dirty="0" smtClean="0"/>
+              <a:t>Enable graphical </a:t>
+            </a:r>
+            <a:r>
+              <a:rPr lang="en-US" sz="2000" dirty="0" smtClean="0"/>
               <a:t>views of high-level </a:t>
             </a:r>
             <a:r>
-              <a:rPr lang="en-US" dirty="0" smtClean="0"/>
+              <a:rPr lang="en-US" sz="2000" dirty="0" smtClean="0"/>
               <a:t>analysis</a:t>
             </a:r>
           </a:p>
           <a:p>
+            <a:pPr lvl="2"/>
+            <a:r>
+              <a:rPr lang="en-US" sz="1600" dirty="0" smtClean="0"/>
+              <a:t>Average speed of cars</a:t>
+            </a:r>
+          </a:p>
+          <a:p>
+            <a:pPr lvl="2"/>
+            <a:r>
+              <a:rPr lang="en-US" sz="1600" dirty="0" smtClean="0"/>
+              <a:t>Geo-fencing </a:t>
+            </a:r>
+            <a:r>
+              <a:rPr lang="mr-IN" sz="1600" dirty="0" smtClean="0"/>
+              <a:t>–</a:t>
+            </a:r>
+            <a:r>
+              <a:rPr lang="en-US" sz="1600" dirty="0" smtClean="0"/>
+              <a:t> charging for entry and exit to certain areas</a:t>
+            </a:r>
+          </a:p>
+          <a:p>
+            <a:pPr lvl="2"/>
+            <a:r>
+              <a:rPr lang="en-US" sz="1600" dirty="0" smtClean="0"/>
+              <a:t>Supporting a mobile app</a:t>
+            </a:r>
+          </a:p>
+          <a:p>
+            <a:pPr lvl="3"/>
+            <a:r>
+              <a:rPr lang="en-US" sz="1400" dirty="0" smtClean="0"/>
+              <a:t>To let a driver see their potential charges in real time</a:t>
+            </a:r>
+            <a:endParaRPr lang="en-US" sz="1400" dirty="0" smtClean="0"/>
+          </a:p>
+          <a:p>
             <a:pPr lvl="1"/>
             <a:r>
-              <a:rPr lang="en-US" dirty="0" smtClean="0"/>
-              <a:t>Reports on whether drivers are exceeding hours or speed limits</a:t>
+              <a:rPr lang="en-US" sz="2000" dirty="0" smtClean="0"/>
+              <a:t>Reports on whether drivers are exceeding </a:t>
+            </a:r>
+            <a:r>
+              <a:rPr lang="en-US" sz="2000" dirty="0" smtClean="0"/>
+              <a:t>safe driving limits </a:t>
+            </a:r>
+            <a:r>
+              <a:rPr lang="en-US" sz="2000" dirty="0" smtClean="0"/>
+              <a:t>or speed limits</a:t>
             </a:r>
           </a:p>
           <a:p>
             <a:pPr lvl="1"/>
             <a:r>
-              <a:rPr lang="en-US" dirty="0" smtClean="0"/>
-              <a:t>A tool to help drivers find popular areas based on time of day and current location</a:t>
+              <a:rPr lang="en-US" sz="2000" dirty="0" smtClean="0"/>
+              <a:t>Support providing data to machine learning systems for traffic planning</a:t>
             </a:r>
           </a:p>
           <a:p>
             <a:pPr lvl="1"/>
             <a:r>
-              <a:rPr lang="en-US" dirty="0" err="1" smtClean="0"/>
-              <a:t>Etc</a:t>
-            </a:r>
-            <a:r>
-              <a:rPr lang="en-US" dirty="0" smtClean="0"/>
-              <a:t> etc.. </a:t>
-            </a:r>
-            <a:endParaRPr lang="en-US" dirty="0" smtClean="0"/>
+              <a:rPr lang="en-US" sz="2000" dirty="0" smtClean="0"/>
+              <a:t>Archive master data and provide a </a:t>
+            </a:r>
+            <a:r>
+              <a:rPr lang="en-US" sz="2000" dirty="0" err="1" smtClean="0"/>
+              <a:t>queryable</a:t>
+            </a:r>
+            <a:r>
+              <a:rPr lang="en-US" sz="2000" dirty="0" smtClean="0"/>
+              <a:t>  aggregate database</a:t>
+            </a:r>
           </a:p>
           <a:p>
             <a:pPr lvl="1"/>
-            <a:endParaRPr lang="en-US" dirty="0" smtClean="0"/>
+            <a:r>
+              <a:rPr lang="en-US" sz="2000" dirty="0" smtClean="0"/>
+              <a:t>Support batch and interactive analysis</a:t>
+            </a:r>
+            <a:endParaRPr lang="en-US" sz="2000" dirty="0" smtClean="0"/>
           </a:p>
           <a:p>
             <a:pPr lvl="1"/>
-            <a:endParaRPr lang="en-US" dirty="0" smtClean="0"/>
+            <a:endParaRPr lang="en-US" sz="2000" dirty="0" smtClean="0"/>
           </a:p>
         </p:txBody>
       </p:sp>

--- a/pres-source/old-etc/group.pptx
+++ b/pres-source/old-etc/group.pptx
@@ -106,6 +106,22 @@
       </a:defRPr>
     </a:lvl9pPr>
   </p:defaultTextStyle>
+  <p:extLst>
+    <p:ext uri="{EFAFB233-063F-42B5-8137-9DF3F51BA10A}">
+      <p15:sldGuideLst xmlns:p15="http://schemas.microsoft.com/office/powerpoint/2012/main">
+        <p15:guide id="1" orient="horz" pos="2160">
+          <p15:clr>
+            <a:srgbClr val="A4A3A4"/>
+          </p15:clr>
+        </p15:guide>
+        <p15:guide id="2" pos="2880">
+          <p15:clr>
+            <a:srgbClr val="A4A3A4"/>
+          </p15:clr>
+        </p15:guide>
+      </p15:sldGuideLst>
+    </p:ext>
+  </p:extLst>
 </p:presentation>
 </file>
 
@@ -147,10 +163,9 @@
           <a:lstStyle/>
           <a:p>
             <a:r>
-              <a:rPr lang="en-US" smtClean="0"/>
+              <a:rPr lang="en-US"/>
               <a:t>Click to edit Master title style</a:t>
             </a:r>
-            <a:endParaRPr lang="en-US"/>
           </a:p>
         </p:txBody>
       </p:sp>
@@ -266,10 +281,9 @@
           </a:lstStyle>
           <a:p>
             <a:r>
-              <a:rPr lang="en-US" smtClean="0"/>
+              <a:rPr lang="en-US"/>
               <a:t>Click to edit Master subtitle style</a:t>
             </a:r>
-            <a:endParaRPr lang="en-US"/>
           </a:p>
         </p:txBody>
       </p:sp>
@@ -290,7 +304,7 @@
           <a:p>
             <a:fld id="{EB059B9B-A1B8-FE45-874D-DDD3FD1CC159}" type="datetimeFigureOut">
               <a:rPr lang="en-US" smtClean="0"/>
-              <a:t>12/07/19</a:t>
+              <a:t>7/9/20</a:t>
             </a:fld>
             <a:endParaRPr lang="en-US"/>
           </a:p>
@@ -384,10 +398,9 @@
           <a:lstStyle/>
           <a:p>
             <a:r>
-              <a:rPr lang="en-US" smtClean="0"/>
+              <a:rPr lang="en-US"/>
               <a:t>Click to edit Master title style</a:t>
             </a:r>
-            <a:endParaRPr lang="en-US"/>
           </a:p>
         </p:txBody>
       </p:sp>
@@ -408,38 +421,37 @@
           <a:p>
             <a:pPr lvl="0"/>
             <a:r>
-              <a:rPr lang="en-US" smtClean="0"/>
+              <a:rPr lang="en-US"/>
               <a:t>Click to edit Master text styles</a:t>
             </a:r>
           </a:p>
           <a:p>
             <a:pPr lvl="1"/>
             <a:r>
-              <a:rPr lang="en-US" smtClean="0"/>
+              <a:rPr lang="en-US"/>
               <a:t>Second level</a:t>
             </a:r>
           </a:p>
           <a:p>
             <a:pPr lvl="2"/>
             <a:r>
-              <a:rPr lang="en-US" smtClean="0"/>
+              <a:rPr lang="en-US"/>
               <a:t>Third level</a:t>
             </a:r>
           </a:p>
           <a:p>
             <a:pPr lvl="3"/>
             <a:r>
-              <a:rPr lang="en-US" smtClean="0"/>
+              <a:rPr lang="en-US"/>
               <a:t>Fourth level</a:t>
             </a:r>
           </a:p>
           <a:p>
             <a:pPr lvl="4"/>
             <a:r>
-              <a:rPr lang="en-US" smtClean="0"/>
+              <a:rPr lang="en-US"/>
               <a:t>Fifth level</a:t>
             </a:r>
-            <a:endParaRPr lang="en-US"/>
           </a:p>
         </p:txBody>
       </p:sp>
@@ -460,7 +472,7 @@
           <a:p>
             <a:fld id="{EB059B9B-A1B8-FE45-874D-DDD3FD1CC159}" type="datetimeFigureOut">
               <a:rPr lang="en-US" smtClean="0"/>
-              <a:t>12/07/19</a:t>
+              <a:t>7/9/20</a:t>
             </a:fld>
             <a:endParaRPr lang="en-US"/>
           </a:p>
@@ -559,10 +571,9 @@
           <a:lstStyle/>
           <a:p>
             <a:r>
-              <a:rPr lang="en-US" smtClean="0"/>
+              <a:rPr lang="en-US"/>
               <a:t>Click to edit Master title style</a:t>
             </a:r>
-            <a:endParaRPr lang="en-US"/>
           </a:p>
         </p:txBody>
       </p:sp>
@@ -588,38 +599,37 @@
           <a:p>
             <a:pPr lvl="0"/>
             <a:r>
-              <a:rPr lang="en-US" smtClean="0"/>
+              <a:rPr lang="en-US"/>
               <a:t>Click to edit Master text styles</a:t>
             </a:r>
           </a:p>
           <a:p>
             <a:pPr lvl="1"/>
             <a:r>
-              <a:rPr lang="en-US" smtClean="0"/>
+              <a:rPr lang="en-US"/>
               <a:t>Second level</a:t>
             </a:r>
           </a:p>
           <a:p>
             <a:pPr lvl="2"/>
             <a:r>
-              <a:rPr lang="en-US" smtClean="0"/>
+              <a:rPr lang="en-US"/>
               <a:t>Third level</a:t>
             </a:r>
           </a:p>
           <a:p>
             <a:pPr lvl="3"/>
             <a:r>
-              <a:rPr lang="en-US" smtClean="0"/>
+              <a:rPr lang="en-US"/>
               <a:t>Fourth level</a:t>
             </a:r>
           </a:p>
           <a:p>
             <a:pPr lvl="4"/>
             <a:r>
-              <a:rPr lang="en-US" smtClean="0"/>
+              <a:rPr lang="en-US"/>
               <a:t>Fifth level</a:t>
             </a:r>
-            <a:endParaRPr lang="en-US"/>
           </a:p>
         </p:txBody>
       </p:sp>
@@ -640,7 +650,7 @@
           <a:p>
             <a:fld id="{EB059B9B-A1B8-FE45-874D-DDD3FD1CC159}" type="datetimeFigureOut">
               <a:rPr lang="en-US" smtClean="0"/>
-              <a:t>12/07/19</a:t>
+              <a:t>7/9/20</a:t>
             </a:fld>
             <a:endParaRPr lang="en-US"/>
           </a:p>
@@ -734,10 +744,9 @@
           <a:lstStyle/>
           <a:p>
             <a:r>
-              <a:rPr lang="en-US" smtClean="0"/>
+              <a:rPr lang="en-US"/>
               <a:t>Click to edit Master title style</a:t>
             </a:r>
-            <a:endParaRPr lang="en-US"/>
           </a:p>
         </p:txBody>
       </p:sp>
@@ -758,38 +767,37 @@
           <a:p>
             <a:pPr lvl="0"/>
             <a:r>
-              <a:rPr lang="en-US" smtClean="0"/>
+              <a:rPr lang="en-US"/>
               <a:t>Click to edit Master text styles</a:t>
             </a:r>
           </a:p>
           <a:p>
             <a:pPr lvl="1"/>
             <a:r>
-              <a:rPr lang="en-US" smtClean="0"/>
+              <a:rPr lang="en-US"/>
               <a:t>Second level</a:t>
             </a:r>
           </a:p>
           <a:p>
             <a:pPr lvl="2"/>
             <a:r>
-              <a:rPr lang="en-US" smtClean="0"/>
+              <a:rPr lang="en-US"/>
               <a:t>Third level</a:t>
             </a:r>
           </a:p>
           <a:p>
             <a:pPr lvl="3"/>
             <a:r>
-              <a:rPr lang="en-US" smtClean="0"/>
+              <a:rPr lang="en-US"/>
               <a:t>Fourth level</a:t>
             </a:r>
           </a:p>
           <a:p>
             <a:pPr lvl="4"/>
             <a:r>
-              <a:rPr lang="en-US" smtClean="0"/>
+              <a:rPr lang="en-US"/>
               <a:t>Fifth level</a:t>
             </a:r>
-            <a:endParaRPr lang="en-US"/>
           </a:p>
         </p:txBody>
       </p:sp>
@@ -810,7 +818,7 @@
           <a:p>
             <a:fld id="{EB059B9B-A1B8-FE45-874D-DDD3FD1CC159}" type="datetimeFigureOut">
               <a:rPr lang="en-US" smtClean="0"/>
-              <a:t>12/07/19</a:t>
+              <a:t>7/9/20</a:t>
             </a:fld>
             <a:endParaRPr lang="en-US"/>
           </a:p>
@@ -913,10 +921,9 @@
           </a:lstStyle>
           <a:p>
             <a:r>
-              <a:rPr lang="en-US" smtClean="0"/>
+              <a:rPr lang="en-US"/>
               <a:t>Click to edit Master title style</a:t>
             </a:r>
-            <a:endParaRPr lang="en-US"/>
           </a:p>
         </p:txBody>
       </p:sp>
@@ -1033,7 +1040,7 @@
           <a:p>
             <a:pPr lvl="0"/>
             <a:r>
-              <a:rPr lang="en-US" smtClean="0"/>
+              <a:rPr lang="en-US"/>
               <a:t>Click to edit Master text styles</a:t>
             </a:r>
           </a:p>
@@ -1056,7 +1063,7 @@
           <a:p>
             <a:fld id="{EB059B9B-A1B8-FE45-874D-DDD3FD1CC159}" type="datetimeFigureOut">
               <a:rPr lang="en-US" smtClean="0"/>
-              <a:t>12/07/19</a:t>
+              <a:t>7/9/20</a:t>
             </a:fld>
             <a:endParaRPr lang="en-US"/>
           </a:p>
@@ -1150,10 +1157,9 @@
           <a:lstStyle/>
           <a:p>
             <a:r>
-              <a:rPr lang="en-US" smtClean="0"/>
+              <a:rPr lang="en-US"/>
               <a:t>Click to edit Master title style</a:t>
             </a:r>
-            <a:endParaRPr lang="en-US"/>
           </a:p>
         </p:txBody>
       </p:sp>
@@ -1207,38 +1213,37 @@
           <a:p>
             <a:pPr lvl="0"/>
             <a:r>
-              <a:rPr lang="en-US" smtClean="0"/>
+              <a:rPr lang="en-US"/>
               <a:t>Click to edit Master text styles</a:t>
             </a:r>
           </a:p>
           <a:p>
             <a:pPr lvl="1"/>
             <a:r>
-              <a:rPr lang="en-US" smtClean="0"/>
+              <a:rPr lang="en-US"/>
               <a:t>Second level</a:t>
             </a:r>
           </a:p>
           <a:p>
             <a:pPr lvl="2"/>
             <a:r>
-              <a:rPr lang="en-US" smtClean="0"/>
+              <a:rPr lang="en-US"/>
               <a:t>Third level</a:t>
             </a:r>
           </a:p>
           <a:p>
             <a:pPr lvl="3"/>
             <a:r>
-              <a:rPr lang="en-US" smtClean="0"/>
+              <a:rPr lang="en-US"/>
               <a:t>Fourth level</a:t>
             </a:r>
           </a:p>
           <a:p>
             <a:pPr lvl="4"/>
             <a:r>
-              <a:rPr lang="en-US" smtClean="0"/>
+              <a:rPr lang="en-US"/>
               <a:t>Fifth level</a:t>
             </a:r>
-            <a:endParaRPr lang="en-US"/>
           </a:p>
         </p:txBody>
       </p:sp>
@@ -1292,38 +1297,37 @@
           <a:p>
             <a:pPr lvl="0"/>
             <a:r>
-              <a:rPr lang="en-US" smtClean="0"/>
+              <a:rPr lang="en-US"/>
               <a:t>Click to edit Master text styles</a:t>
             </a:r>
           </a:p>
           <a:p>
             <a:pPr lvl="1"/>
             <a:r>
-              <a:rPr lang="en-US" smtClean="0"/>
+              <a:rPr lang="en-US"/>
               <a:t>Second level</a:t>
             </a:r>
           </a:p>
           <a:p>
             <a:pPr lvl="2"/>
             <a:r>
-              <a:rPr lang="en-US" smtClean="0"/>
+              <a:rPr lang="en-US"/>
               <a:t>Third level</a:t>
             </a:r>
           </a:p>
           <a:p>
             <a:pPr lvl="3"/>
             <a:r>
-              <a:rPr lang="en-US" smtClean="0"/>
+              <a:rPr lang="en-US"/>
               <a:t>Fourth level</a:t>
             </a:r>
           </a:p>
           <a:p>
             <a:pPr lvl="4"/>
             <a:r>
-              <a:rPr lang="en-US" smtClean="0"/>
+              <a:rPr lang="en-US"/>
               <a:t>Fifth level</a:t>
             </a:r>
-            <a:endParaRPr lang="en-US"/>
           </a:p>
         </p:txBody>
       </p:sp>
@@ -1344,7 +1348,7 @@
           <a:p>
             <a:fld id="{EB059B9B-A1B8-FE45-874D-DDD3FD1CC159}" type="datetimeFigureOut">
               <a:rPr lang="en-US" smtClean="0"/>
-              <a:t>12/07/19</a:t>
+              <a:t>7/9/20</a:t>
             </a:fld>
             <a:endParaRPr lang="en-US"/>
           </a:p>
@@ -1442,10 +1446,9 @@
           </a:lstStyle>
           <a:p>
             <a:r>
-              <a:rPr lang="en-US" smtClean="0"/>
+              <a:rPr lang="en-US"/>
               <a:t>Click to edit Master title style</a:t>
             </a:r>
-            <a:endParaRPr lang="en-US"/>
           </a:p>
         </p:txBody>
       </p:sp>
@@ -1508,7 +1511,7 @@
           <a:p>
             <a:pPr lvl="0"/>
             <a:r>
-              <a:rPr lang="en-US" smtClean="0"/>
+              <a:rPr lang="en-US"/>
               <a:t>Click to edit Master text styles</a:t>
             </a:r>
           </a:p>
@@ -1564,38 +1567,37 @@
           <a:p>
             <a:pPr lvl="0"/>
             <a:r>
-              <a:rPr lang="en-US" smtClean="0"/>
+              <a:rPr lang="en-US"/>
               <a:t>Click to edit Master text styles</a:t>
             </a:r>
           </a:p>
           <a:p>
             <a:pPr lvl="1"/>
             <a:r>
-              <a:rPr lang="en-US" smtClean="0"/>
+              <a:rPr lang="en-US"/>
               <a:t>Second level</a:t>
             </a:r>
           </a:p>
           <a:p>
             <a:pPr lvl="2"/>
             <a:r>
-              <a:rPr lang="en-US" smtClean="0"/>
+              <a:rPr lang="en-US"/>
               <a:t>Third level</a:t>
             </a:r>
           </a:p>
           <a:p>
             <a:pPr lvl="3"/>
             <a:r>
-              <a:rPr lang="en-US" smtClean="0"/>
+              <a:rPr lang="en-US"/>
               <a:t>Fourth level</a:t>
             </a:r>
           </a:p>
           <a:p>
             <a:pPr lvl="4"/>
             <a:r>
-              <a:rPr lang="en-US" smtClean="0"/>
+              <a:rPr lang="en-US"/>
               <a:t>Fifth level</a:t>
             </a:r>
-            <a:endParaRPr lang="en-US"/>
           </a:p>
         </p:txBody>
       </p:sp>
@@ -1658,7 +1660,7 @@
           <a:p>
             <a:pPr lvl="0"/>
             <a:r>
-              <a:rPr lang="en-US" smtClean="0"/>
+              <a:rPr lang="en-US"/>
               <a:t>Click to edit Master text styles</a:t>
             </a:r>
           </a:p>
@@ -1714,38 +1716,37 @@
           <a:p>
             <a:pPr lvl="0"/>
             <a:r>
-              <a:rPr lang="en-US" smtClean="0"/>
+              <a:rPr lang="en-US"/>
               <a:t>Click to edit Master text styles</a:t>
             </a:r>
           </a:p>
           <a:p>
             <a:pPr lvl="1"/>
             <a:r>
-              <a:rPr lang="en-US" smtClean="0"/>
+              <a:rPr lang="en-US"/>
               <a:t>Second level</a:t>
             </a:r>
           </a:p>
           <a:p>
             <a:pPr lvl="2"/>
             <a:r>
-              <a:rPr lang="en-US" smtClean="0"/>
+              <a:rPr lang="en-US"/>
               <a:t>Third level</a:t>
             </a:r>
           </a:p>
           <a:p>
             <a:pPr lvl="3"/>
             <a:r>
-              <a:rPr lang="en-US" smtClean="0"/>
+              <a:rPr lang="en-US"/>
               <a:t>Fourth level</a:t>
             </a:r>
           </a:p>
           <a:p>
             <a:pPr lvl="4"/>
             <a:r>
-              <a:rPr lang="en-US" smtClean="0"/>
+              <a:rPr lang="en-US"/>
               <a:t>Fifth level</a:t>
             </a:r>
-            <a:endParaRPr lang="en-US"/>
           </a:p>
         </p:txBody>
       </p:sp>
@@ -1766,7 +1767,7 @@
           <a:p>
             <a:fld id="{EB059B9B-A1B8-FE45-874D-DDD3FD1CC159}" type="datetimeFigureOut">
               <a:rPr lang="en-US" smtClean="0"/>
-              <a:t>12/07/19</a:t>
+              <a:t>7/9/20</a:t>
             </a:fld>
             <a:endParaRPr lang="en-US"/>
           </a:p>
@@ -1860,10 +1861,9 @@
           <a:lstStyle/>
           <a:p>
             <a:r>
-              <a:rPr lang="en-US" smtClean="0"/>
+              <a:rPr lang="en-US"/>
               <a:t>Click to edit Master title style</a:t>
             </a:r>
-            <a:endParaRPr lang="en-US"/>
           </a:p>
         </p:txBody>
       </p:sp>
@@ -1884,7 +1884,7 @@
           <a:p>
             <a:fld id="{EB059B9B-A1B8-FE45-874D-DDD3FD1CC159}" type="datetimeFigureOut">
               <a:rPr lang="en-US" smtClean="0"/>
-              <a:t>12/07/19</a:t>
+              <a:t>7/9/20</a:t>
             </a:fld>
             <a:endParaRPr lang="en-US"/>
           </a:p>
@@ -1979,7 +1979,7 @@
           <a:p>
             <a:fld id="{EB059B9B-A1B8-FE45-874D-DDD3FD1CC159}" type="datetimeFigureOut">
               <a:rPr lang="en-US" smtClean="0"/>
-              <a:t>12/07/19</a:t>
+              <a:t>7/9/20</a:t>
             </a:fld>
             <a:endParaRPr lang="en-US"/>
           </a:p>
@@ -2082,10 +2082,9 @@
           </a:lstStyle>
           <a:p>
             <a:r>
-              <a:rPr lang="en-US" smtClean="0"/>
+              <a:rPr lang="en-US"/>
               <a:t>Click to edit Master title style</a:t>
             </a:r>
-            <a:endParaRPr lang="en-US"/>
           </a:p>
         </p:txBody>
       </p:sp>
@@ -2139,38 +2138,37 @@
           <a:p>
             <a:pPr lvl="0"/>
             <a:r>
-              <a:rPr lang="en-US" smtClean="0"/>
+              <a:rPr lang="en-US"/>
               <a:t>Click to edit Master text styles</a:t>
             </a:r>
           </a:p>
           <a:p>
             <a:pPr lvl="1"/>
             <a:r>
-              <a:rPr lang="en-US" smtClean="0"/>
+              <a:rPr lang="en-US"/>
               <a:t>Second level</a:t>
             </a:r>
           </a:p>
           <a:p>
             <a:pPr lvl="2"/>
             <a:r>
-              <a:rPr lang="en-US" smtClean="0"/>
+              <a:rPr lang="en-US"/>
               <a:t>Third level</a:t>
             </a:r>
           </a:p>
           <a:p>
             <a:pPr lvl="3"/>
             <a:r>
-              <a:rPr lang="en-US" smtClean="0"/>
+              <a:rPr lang="en-US"/>
               <a:t>Fourth level</a:t>
             </a:r>
           </a:p>
           <a:p>
             <a:pPr lvl="4"/>
             <a:r>
-              <a:rPr lang="en-US" smtClean="0"/>
+              <a:rPr lang="en-US"/>
               <a:t>Fifth level</a:t>
             </a:r>
-            <a:endParaRPr lang="en-US"/>
           </a:p>
         </p:txBody>
       </p:sp>
@@ -2233,7 +2231,7 @@
           <a:p>
             <a:pPr lvl="0"/>
             <a:r>
-              <a:rPr lang="en-US" smtClean="0"/>
+              <a:rPr lang="en-US"/>
               <a:t>Click to edit Master text styles</a:t>
             </a:r>
           </a:p>
@@ -2256,7 +2254,7 @@
           <a:p>
             <a:fld id="{EB059B9B-A1B8-FE45-874D-DDD3FD1CC159}" type="datetimeFigureOut">
               <a:rPr lang="en-US" smtClean="0"/>
-              <a:t>12/07/19</a:t>
+              <a:t>7/9/20</a:t>
             </a:fld>
             <a:endParaRPr lang="en-US"/>
           </a:p>
@@ -2359,10 +2357,9 @@
           </a:lstStyle>
           <a:p>
             <a:r>
-              <a:rPr lang="en-US" smtClean="0"/>
+              <a:rPr lang="en-US"/>
               <a:t>Click to edit Master title style</a:t>
             </a:r>
-            <a:endParaRPr lang="en-US"/>
           </a:p>
         </p:txBody>
       </p:sp>
@@ -2486,7 +2483,7 @@
           <a:p>
             <a:pPr lvl="0"/>
             <a:r>
-              <a:rPr lang="en-US" smtClean="0"/>
+              <a:rPr lang="en-US"/>
               <a:t>Click to edit Master text styles</a:t>
             </a:r>
           </a:p>
@@ -2509,7 +2506,7 @@
           <a:p>
             <a:fld id="{EB059B9B-A1B8-FE45-874D-DDD3FD1CC159}" type="datetimeFigureOut">
               <a:rPr lang="en-US" smtClean="0"/>
-              <a:t>12/07/19</a:t>
+              <a:t>7/9/20</a:t>
             </a:fld>
             <a:endParaRPr lang="en-US"/>
           </a:p>
@@ -2618,10 +2615,9 @@
           <a:lstStyle/>
           <a:p>
             <a:r>
-              <a:rPr lang="en-US" smtClean="0"/>
+              <a:rPr lang="en-US"/>
               <a:t>Click to edit Master title style</a:t>
             </a:r>
-            <a:endParaRPr lang="en-US"/>
           </a:p>
         </p:txBody>
       </p:sp>
@@ -2652,38 +2648,37 @@
           <a:p>
             <a:pPr lvl="0"/>
             <a:r>
-              <a:rPr lang="en-US" smtClean="0"/>
+              <a:rPr lang="en-US"/>
               <a:t>Click to edit Master text styles</a:t>
             </a:r>
           </a:p>
           <a:p>
             <a:pPr lvl="1"/>
             <a:r>
-              <a:rPr lang="en-US" smtClean="0"/>
+              <a:rPr lang="en-US"/>
               <a:t>Second level</a:t>
             </a:r>
           </a:p>
           <a:p>
             <a:pPr lvl="2"/>
             <a:r>
-              <a:rPr lang="en-US" smtClean="0"/>
+              <a:rPr lang="en-US"/>
               <a:t>Third level</a:t>
             </a:r>
           </a:p>
           <a:p>
             <a:pPr lvl="3"/>
             <a:r>
-              <a:rPr lang="en-US" smtClean="0"/>
+              <a:rPr lang="en-US"/>
               <a:t>Fourth level</a:t>
             </a:r>
           </a:p>
           <a:p>
             <a:pPr lvl="4"/>
             <a:r>
-              <a:rPr lang="en-US" smtClean="0"/>
+              <a:rPr lang="en-US"/>
               <a:t>Fifth level</a:t>
             </a:r>
-            <a:endParaRPr lang="en-US"/>
           </a:p>
         </p:txBody>
       </p:sp>
@@ -2722,7 +2717,7 @@
           <a:p>
             <a:fld id="{EB059B9B-A1B8-FE45-874D-DDD3FD1CC159}" type="datetimeFigureOut">
               <a:rPr lang="en-US" smtClean="0"/>
-              <a:t>12/07/19</a:t>
+              <a:t>7/9/20</a:t>
             </a:fld>
             <a:endParaRPr lang="en-US"/>
           </a:p>
@@ -3113,10 +3108,9 @@
           <a:lstStyle/>
           <a:p>
             <a:r>
-              <a:rPr lang="en-US" dirty="0" smtClean="0"/>
+              <a:rPr lang="en-US" dirty="0"/>
               <a:t>Group Exercise</a:t>
             </a:r>
-            <a:endParaRPr lang="en-US" dirty="0"/>
           </a:p>
         </p:txBody>
       </p:sp>
@@ -3130,13 +3124,6 @@
   <p:clrMapOvr>
     <a:masterClrMapping/>
   </p:clrMapOvr>
-  <p:timing>
-    <p:tnLst>
-      <p:par>
-        <p:cTn xmlns:p14="http://schemas.microsoft.com/office/powerpoint/2010/main" id="1" dur="indefinite" restart="never" nodeType="tmRoot"/>
-      </p:par>
-    </p:tnLst>
-  </p:timing>
 </p:sld>
 </file>
 
@@ -3175,17 +3162,16 @@
           <a:lstStyle/>
           <a:p>
             <a:r>
-              <a:rPr lang="en-US" sz="3600" dirty="0" smtClean="0"/>
+              <a:rPr lang="en-US" sz="3600" dirty="0"/>
               <a:t>ANPR</a:t>
             </a:r>
             <a:br>
-              <a:rPr lang="en-US" sz="3600" dirty="0" smtClean="0"/>
+              <a:rPr lang="en-US" sz="3600" dirty="0"/>
             </a:br>
             <a:r>
-              <a:rPr lang="en-US" sz="3600" dirty="0" smtClean="0"/>
+              <a:rPr lang="en-US" sz="3600" dirty="0"/>
               <a:t>(Automated Number Plate Recognition)</a:t>
             </a:r>
-            <a:endParaRPr lang="en-US" sz="3600" dirty="0"/>
           </a:p>
         </p:txBody>
       </p:sp>
@@ -3205,38 +3191,37 @@
           <a:lstStyle/>
           <a:p>
             <a:r>
-              <a:rPr lang="en-US" dirty="0" smtClean="0"/>
+              <a:rPr lang="en-US" dirty="0"/>
               <a:t>The new post-</a:t>
             </a:r>
             <a:r>
-              <a:rPr lang="en-US" dirty="0" err="1" smtClean="0"/>
+              <a:rPr lang="en-US" dirty="0" err="1"/>
               <a:t>Brexit</a:t>
             </a:r>
             <a:r>
-              <a:rPr lang="en-US" dirty="0" smtClean="0"/>
+              <a:rPr lang="en-US" dirty="0"/>
               <a:t> government has decided to implement congestion charging on every road in the country</a:t>
             </a:r>
           </a:p>
           <a:p>
             <a:pPr lvl="1"/>
             <a:r>
-              <a:rPr lang="en-US" dirty="0" smtClean="0"/>
+              <a:rPr lang="en-US" dirty="0"/>
               <a:t>Assume there are approximately 250,000 miles of road with cameras every ¼ mile</a:t>
             </a:r>
           </a:p>
           <a:p>
             <a:pPr lvl="1"/>
             <a:r>
-              <a:rPr lang="en-US" dirty="0" smtClean="0"/>
+              <a:rPr lang="en-US" dirty="0"/>
               <a:t>1,000,000 ANPR cameras</a:t>
             </a:r>
           </a:p>
           <a:p>
             <a:r>
-              <a:rPr lang="en-US" dirty="0" smtClean="0"/>
+              <a:rPr lang="en-US" dirty="0"/>
               <a:t>We want to implement a big data system around this</a:t>
             </a:r>
-            <a:endParaRPr lang="en-US" dirty="0"/>
           </a:p>
         </p:txBody>
       </p:sp>
@@ -3288,10 +3273,9 @@
           <a:lstStyle/>
           <a:p>
             <a:r>
-              <a:rPr lang="en-US" dirty="0" smtClean="0"/>
+              <a:rPr lang="en-US" dirty="0"/>
               <a:t>Design a system to receive these events in real time</a:t>
             </a:r>
-            <a:endParaRPr lang="en-US" dirty="0"/>
           </a:p>
         </p:txBody>
       </p:sp>
@@ -3314,114 +3298,100 @@
           <a:p>
             <a:pPr lvl="1"/>
             <a:r>
-              <a:rPr lang="en-US" sz="2000" dirty="0" smtClean="0"/>
-              <a:t>Building </a:t>
-            </a:r>
-            <a:r>
-              <a:rPr lang="en-US" sz="2000" dirty="0" smtClean="0"/>
-              <a:t>dashboards to provide both real-time and historical views</a:t>
+              <a:rPr lang="en-US" sz="2000" dirty="0"/>
+              <a:t>Building dashboards to provide both real-time and historical views</a:t>
             </a:r>
           </a:p>
           <a:p>
             <a:pPr lvl="1"/>
             <a:r>
-              <a:rPr lang="en-US" sz="2000" dirty="0" smtClean="0"/>
-              <a:t>Enable graphical </a:t>
-            </a:r>
-            <a:r>
-              <a:rPr lang="en-US" sz="2000" dirty="0" smtClean="0"/>
-              <a:t>views of high-level </a:t>
-            </a:r>
-            <a:r>
-              <a:rPr lang="en-US" sz="2000" dirty="0" smtClean="0"/>
-              <a:t>analysis</a:t>
+              <a:rPr lang="en-US" sz="2000" dirty="0"/>
+              <a:t>Enable graphical views of high-level analysis</a:t>
             </a:r>
           </a:p>
           <a:p>
             <a:pPr lvl="2"/>
             <a:r>
-              <a:rPr lang="en-US" sz="1600" dirty="0" smtClean="0"/>
+              <a:rPr lang="en-US" sz="1600" dirty="0"/>
               <a:t>Average speed of cars</a:t>
             </a:r>
           </a:p>
           <a:p>
             <a:pPr lvl="2"/>
             <a:r>
-              <a:rPr lang="en-US" sz="1600" dirty="0" smtClean="0"/>
+              <a:rPr lang="en-US" sz="1600" dirty="0"/>
               <a:t>Geo-fencing </a:t>
             </a:r>
             <a:r>
-              <a:rPr lang="mr-IN" sz="1600" dirty="0" smtClean="0"/>
+              <a:rPr lang="mr-IN" sz="1600" dirty="0"/>
               <a:t>–</a:t>
             </a:r>
             <a:r>
-              <a:rPr lang="en-US" sz="1600" dirty="0" smtClean="0"/>
-              <a:t> charging for entry and exit to certain areas</a:t>
+              <a:rPr lang="en-US" sz="1600" dirty="0"/>
+              <a:t> overnight or next day charging for entry and exit to certain areas</a:t>
             </a:r>
           </a:p>
           <a:p>
             <a:pPr lvl="2"/>
             <a:r>
-              <a:rPr lang="en-US" sz="1600" dirty="0" smtClean="0"/>
+              <a:rPr lang="en-US" sz="1600" dirty="0"/>
               <a:t>Supporting a mobile app</a:t>
             </a:r>
           </a:p>
           <a:p>
             <a:pPr lvl="3"/>
             <a:r>
-              <a:rPr lang="en-US" sz="1400" dirty="0" smtClean="0"/>
-              <a:t>To let a driver see their potential charges in real time</a:t>
-            </a:r>
-            <a:endParaRPr lang="en-US" sz="1400" dirty="0" smtClean="0"/>
+              <a:rPr lang="en-US" sz="1400" dirty="0"/>
+              <a:t>To let a driver see their potential charges </a:t>
+            </a:r>
+            <a:r>
+              <a:rPr lang="en-US" sz="1400"/>
+              <a:t>in near real </a:t>
+            </a:r>
+            <a:r>
+              <a:rPr lang="en-US" sz="1400" dirty="0"/>
+              <a:t>time</a:t>
+            </a:r>
           </a:p>
           <a:p>
             <a:pPr lvl="1"/>
             <a:r>
-              <a:rPr lang="en-US" sz="2000" dirty="0" smtClean="0"/>
-              <a:t>Reports on whether drivers are exceeding </a:t>
-            </a:r>
-            <a:r>
-              <a:rPr lang="en-US" sz="2000" dirty="0" smtClean="0"/>
-              <a:t>safe driving limits </a:t>
-            </a:r>
-            <a:r>
-              <a:rPr lang="en-US" sz="2000" dirty="0" smtClean="0"/>
-              <a:t>or speed limits</a:t>
+              <a:rPr lang="en-US" sz="2000" dirty="0"/>
+              <a:t>Reports on whether drivers are exceeding safe driving limits or speed limits</a:t>
             </a:r>
           </a:p>
           <a:p>
             <a:pPr lvl="1"/>
             <a:r>
-              <a:rPr lang="en-US" sz="2000" dirty="0" smtClean="0"/>
+              <a:rPr lang="en-US" sz="2000" dirty="0"/>
               <a:t>Support providing data to machine learning systems for traffic planning</a:t>
             </a:r>
           </a:p>
           <a:p>
             <a:pPr lvl="1"/>
             <a:r>
-              <a:rPr lang="en-US" sz="2000" dirty="0" smtClean="0"/>
+              <a:rPr lang="en-US" sz="2000" dirty="0"/>
               <a:t>Archive master data and provide a </a:t>
             </a:r>
             <a:r>
-              <a:rPr lang="en-US" sz="2000" dirty="0" err="1" smtClean="0"/>
+              <a:rPr lang="en-US" sz="2000" dirty="0" err="1"/>
               <a:t>queryable</a:t>
             </a:r>
             <a:r>
-              <a:rPr lang="en-US" sz="2000" dirty="0" smtClean="0"/>
-              <a:t>  aggregate database</a:t>
+              <a:rPr lang="en-US" sz="2000" dirty="0"/>
+              <a:t> aggregate database</a:t>
             </a:r>
           </a:p>
           <a:p>
             <a:pPr lvl="1"/>
             <a:r>
-              <a:rPr lang="en-US" sz="2000" dirty="0" smtClean="0"/>
+              <a:rPr lang="en-US" sz="2000" dirty="0"/>
               <a:t>Support batch and interactive analysis</a:t>
             </a:r>
-            <a:endParaRPr lang="en-US" sz="2000" dirty="0" smtClean="0"/>
           </a:p>
           <a:p>
             <a:pPr lvl="1"/>
-            <a:endParaRPr lang="en-US" sz="2000" dirty="0" smtClean="0"/>
+            <a:endParaRPr lang="en-US" sz="2000" dirty="0"/>
           </a:p>
         </p:txBody>
       </p:sp>
@@ -3435,13 +3405,6 @@
   <p:clrMapOvr>
     <a:masterClrMapping/>
   </p:clrMapOvr>
-  <p:timing>
-    <p:tnLst>
-      <p:par>
-        <p:cTn xmlns:p14="http://schemas.microsoft.com/office/powerpoint/2010/main" id="1" dur="indefinite" restart="never" nodeType="tmRoot"/>
-      </p:par>
-    </p:tnLst>
-  </p:timing>
 </p:sld>
 </file>
 
